--- a/IDEA-SUBMIT.pptx
+++ b/IDEA-SUBMIT.pptx
@@ -3043,8 +3043,8 @@
         </p:nvSpPr>
         <p:spPr>
           <a:xfrm>
-            <a:off x="899592" y="2138719"/>
-            <a:ext cx="7272808" cy="584775"/>
+            <a:off x="899592" y="1284752"/>
+            <a:ext cx="7272808" cy="461665"/>
           </a:xfrm>
           <a:prstGeom prst="rect">
             <a:avLst/>
@@ -3058,12 +3058,12 @@
           <a:p>
             <a:pPr algn="ctr"/>
             <a:r>
-              <a:rPr lang="de-DE" sz="3200" dirty="0" smtClean="0">
-                <a:latin typeface="Rockwell" panose="02060603020205020403" pitchFamily="18" charset="0"/>
-              </a:rPr>
-              <a:t>LOGISTIK</a:t>
-            </a:r>
-            <a:endParaRPr lang="de-DE" sz="3200" dirty="0">
+              <a:rPr lang="de-DE" sz="2400" dirty="0" smtClean="0">
+                <a:latin typeface="Rockwell" panose="02060603020205020403" pitchFamily="18" charset="0"/>
+              </a:rPr>
+              <a:t>LOGISTIK/SUPPLY CHAIN MGMT</a:t>
+            </a:r>
+            <a:endParaRPr lang="de-DE" sz="2400" dirty="0">
               <a:latin typeface="Rockwell" panose="02060603020205020403" pitchFamily="18" charset="0"/>
             </a:endParaRPr>
           </a:p>
@@ -3165,7 +3165,7 @@
         </p:nvCxnSpPr>
         <p:spPr>
           <a:xfrm>
-            <a:off x="4883079" y="2780928"/>
+            <a:off x="4883079" y="2004832"/>
             <a:ext cx="1136432" cy="1259523"/>
           </a:xfrm>
           <a:prstGeom prst="straightConnector1">
@@ -3201,7 +3201,7 @@
         </p:nvCxnSpPr>
         <p:spPr>
           <a:xfrm flipH="1">
-            <a:off x="3101753" y="2780928"/>
+            <a:off x="3101753" y="2004832"/>
             <a:ext cx="1008112" cy="1228164"/>
           </a:xfrm>
           <a:prstGeom prst="straightConnector1">
@@ -3281,7 +3281,7 @@
         </p:blipFill>
         <p:spPr>
           <a:xfrm>
-            <a:off x="5168889" y="3382488"/>
+            <a:off x="5168889" y="2606392"/>
             <a:ext cx="1701242" cy="1182648"/>
           </a:xfrm>
           <a:prstGeom prst="rect">
@@ -3297,7 +3297,7 @@
         </p:nvSpPr>
         <p:spPr>
           <a:xfrm>
-            <a:off x="4523039" y="4021268"/>
+            <a:off x="4523039" y="3301188"/>
             <a:ext cx="3001289" cy="369332"/>
           </a:xfrm>
           <a:prstGeom prst="rect">
@@ -3345,7 +3345,7 @@
         </p:blipFill>
         <p:spPr>
           <a:xfrm>
-            <a:off x="2716058" y="2996952"/>
+            <a:off x="2716058" y="2220856"/>
             <a:ext cx="1188736" cy="1111210"/>
           </a:xfrm>
           <a:prstGeom prst="rect">
@@ -3361,7 +3361,7 @@
         </p:nvSpPr>
         <p:spPr>
           <a:xfrm>
-            <a:off x="1809782" y="3990490"/>
+            <a:off x="1809782" y="3270410"/>
             <a:ext cx="3001289" cy="400110"/>
           </a:xfrm>
           <a:prstGeom prst="rect">
@@ -3387,51 +3387,21 @@
           </a:p>
         </p:txBody>
       </p:sp>
-      <p:pic>
-        <p:nvPicPr>
-          <p:cNvPr id="14" name="Grafik 13"/>
-          <p:cNvPicPr>
-            <a:picLocks noChangeAspect="1"/>
-          </p:cNvPicPr>
+      <p:sp>
+        <p:nvSpPr>
+          <p:cNvPr id="15" name="Rechteck 1"/>
+          <p:cNvSpPr/>
           <p:nvPr/>
-        </p:nvPicPr>
-        <p:blipFill>
-          <a:blip r:embed="rId5">
-            <a:extLst>
-              <a:ext uri="{28A0092B-C50C-407E-A947-70E740481C1C}">
-                <a14:useLocalDpi xmlns:a14="http://schemas.microsoft.com/office/drawing/2010/main" val="0"/>
-              </a:ext>
-            </a:extLst>
-          </a:blip>
-          <a:stretch>
-            <a:fillRect/>
-          </a:stretch>
-        </p:blipFill>
+        </p:nvSpPr>
         <p:spPr>
           <a:xfrm>
-            <a:off x="200869" y="1166501"/>
-            <a:ext cx="2949845" cy="792088"/>
+            <a:off x="827584" y="3789040"/>
+            <a:ext cx="7704856" cy="2062103"/>
           </a:xfrm>
           <a:prstGeom prst="rect">
             <a:avLst/>
           </a:prstGeom>
         </p:spPr>
-      </p:pic>
-      <p:sp>
-        <p:nvSpPr>
-          <p:cNvPr id="15" name="Rechteck 1"/>
-          <p:cNvSpPr/>
-          <p:nvPr/>
-        </p:nvSpPr>
-        <p:spPr>
-          <a:xfrm>
-            <a:off x="1619672" y="4509120"/>
-            <a:ext cx="7272808" cy="646331"/>
-          </a:xfrm>
-          <a:prstGeom prst="rect">
-            <a:avLst/>
-          </a:prstGeom>
-        </p:spPr>
         <p:txBody>
           <a:bodyPr wrap="square">
             <a:spAutoFit/>
@@ -3439,265 +3409,785 @@
           <a:lstStyle/>
           <a:p>
             <a:r>
-              <a:rPr lang="de-DE" dirty="0">
-                <a:latin typeface="Rockwell" panose="02060603020205020403" pitchFamily="18" charset="0"/>
-              </a:rPr>
-              <a:t>“</a:t>
-            </a:r>
-            <a:r>
-              <a:rPr lang="de-DE" dirty="0" err="1">
-                <a:latin typeface="Rockwell" panose="02060603020205020403" pitchFamily="18" charset="0"/>
-              </a:rPr>
-              <a:t>Pemantauan</a:t>
-            </a:r>
-            <a:r>
-              <a:rPr lang="de-DE" dirty="0">
-                <a:latin typeface="Rockwell" panose="02060603020205020403" pitchFamily="18" charset="0"/>
-              </a:rPr>
-              <a:t> </a:t>
-            </a:r>
-            <a:r>
-              <a:rPr lang="de-DE" dirty="0" err="1">
+              <a:rPr lang="de-DE" sz="1600" dirty="0" err="1">
+                <a:latin typeface="Rockwell" panose="02060603020205020403" pitchFamily="18" charset="0"/>
+              </a:rPr>
+              <a:t>Setelah</a:t>
+            </a:r>
+            <a:r>
+              <a:rPr lang="de-DE" sz="1600" dirty="0">
+                <a:latin typeface="Rockwell" panose="02060603020205020403" pitchFamily="18" charset="0"/>
+              </a:rPr>
+              <a:t> </a:t>
+            </a:r>
+            <a:r>
+              <a:rPr lang="de-DE" sz="1600" dirty="0" err="1">
+                <a:latin typeface="Rockwell" panose="02060603020205020403" pitchFamily="18" charset="0"/>
+              </a:rPr>
+              <a:t>mendapat</a:t>
+            </a:r>
+            <a:r>
+              <a:rPr lang="de-DE" sz="1600" dirty="0">
+                <a:latin typeface="Rockwell" panose="02060603020205020403" pitchFamily="18" charset="0"/>
+              </a:rPr>
+              <a:t> </a:t>
+            </a:r>
+            <a:r>
+              <a:rPr lang="de-DE" sz="1600" dirty="0" err="1">
+                <a:latin typeface="Rockwell" panose="02060603020205020403" pitchFamily="18" charset="0"/>
+              </a:rPr>
+              <a:t>tambahan</a:t>
+            </a:r>
+            <a:r>
+              <a:rPr lang="de-DE" sz="1600" dirty="0">
+                <a:latin typeface="Rockwell" panose="02060603020205020403" pitchFamily="18" charset="0"/>
+              </a:rPr>
+              <a:t> </a:t>
+            </a:r>
+            <a:r>
+              <a:rPr lang="de-DE" sz="1600" dirty="0" err="1">
+                <a:latin typeface="Rockwell" panose="02060603020205020403" pitchFamily="18" charset="0"/>
+              </a:rPr>
+              <a:t>informasi</a:t>
+            </a:r>
+            <a:r>
+              <a:rPr lang="de-DE" sz="1600" dirty="0">
+                <a:latin typeface="Rockwell" panose="02060603020205020403" pitchFamily="18" charset="0"/>
+              </a:rPr>
+              <a:t> </a:t>
+            </a:r>
+            <a:r>
+              <a:rPr lang="de-DE" sz="1600" dirty="0" err="1">
+                <a:latin typeface="Rockwell" panose="02060603020205020403" pitchFamily="18" charset="0"/>
+              </a:rPr>
+              <a:t>pagi</a:t>
+            </a:r>
+            <a:r>
+              <a:rPr lang="de-DE" sz="1600" dirty="0">
+                <a:latin typeface="Rockwell" panose="02060603020205020403" pitchFamily="18" charset="0"/>
+              </a:rPr>
+              <a:t> </a:t>
+            </a:r>
+            <a:r>
+              <a:rPr lang="de-DE" sz="1600" dirty="0" err="1">
+                <a:latin typeface="Rockwell" panose="02060603020205020403" pitchFamily="18" charset="0"/>
+              </a:rPr>
+              <a:t>dan</a:t>
+            </a:r>
+            <a:r>
+              <a:rPr lang="de-DE" sz="1600" dirty="0">
+                <a:latin typeface="Rockwell" panose="02060603020205020403" pitchFamily="18" charset="0"/>
+              </a:rPr>
+              <a:t> </a:t>
+            </a:r>
+            <a:r>
+              <a:rPr lang="de-DE" sz="1600" dirty="0" err="1">
+                <a:latin typeface="Rockwell" panose="02060603020205020403" pitchFamily="18" charset="0"/>
+              </a:rPr>
+              <a:t>siang</a:t>
+            </a:r>
+            <a:r>
+              <a:rPr lang="de-DE" sz="1600" dirty="0">
+                <a:latin typeface="Rockwell" panose="02060603020205020403" pitchFamily="18" charset="0"/>
+              </a:rPr>
+              <a:t> </a:t>
+            </a:r>
+            <a:r>
+              <a:rPr lang="de-DE" sz="1600" dirty="0" err="1">
+                <a:latin typeface="Rockwell" panose="02060603020205020403" pitchFamily="18" charset="0"/>
+              </a:rPr>
+              <a:t>ini</a:t>
+            </a:r>
+            <a:r>
+              <a:rPr lang="de-DE" sz="1600" dirty="0">
+                <a:latin typeface="Rockwell" panose="02060603020205020403" pitchFamily="18" charset="0"/>
+              </a:rPr>
+              <a:t> </a:t>
+            </a:r>
+            <a:r>
+              <a:rPr lang="de-DE" sz="1600" dirty="0" err="1">
+                <a:latin typeface="Rockwell" panose="02060603020205020403" pitchFamily="18" charset="0"/>
+              </a:rPr>
+              <a:t>kami</a:t>
+            </a:r>
+            <a:r>
+              <a:rPr lang="de-DE" sz="1600" dirty="0">
+                <a:latin typeface="Rockwell" panose="02060603020205020403" pitchFamily="18" charset="0"/>
+              </a:rPr>
+              <a:t> </a:t>
+            </a:r>
+            <a:r>
+              <a:rPr lang="de-DE" sz="1600" dirty="0" err="1">
+                <a:latin typeface="Rockwell" panose="02060603020205020403" pitchFamily="18" charset="0"/>
+              </a:rPr>
+              <a:t>semakin</a:t>
+            </a:r>
+            <a:r>
+              <a:rPr lang="de-DE" sz="1600" dirty="0">
+                <a:latin typeface="Rockwell" panose="02060603020205020403" pitchFamily="18" charset="0"/>
+              </a:rPr>
+              <a:t> </a:t>
+            </a:r>
+            <a:r>
+              <a:rPr lang="de-DE" sz="1600" dirty="0" err="1">
+                <a:latin typeface="Rockwell" panose="02060603020205020403" pitchFamily="18" charset="0"/>
+              </a:rPr>
+              <a:t>yakin</a:t>
+            </a:r>
+            <a:r>
+              <a:rPr lang="de-DE" sz="1600" dirty="0">
+                <a:latin typeface="Rockwell" panose="02060603020205020403" pitchFamily="18" charset="0"/>
+              </a:rPr>
+              <a:t> </a:t>
+            </a:r>
+            <a:r>
+              <a:rPr lang="de-DE" sz="1600" dirty="0" err="1">
+                <a:latin typeface="Rockwell" panose="02060603020205020403" pitchFamily="18" charset="0"/>
+              </a:rPr>
+              <a:t>untuk</a:t>
+            </a:r>
+            <a:r>
+              <a:rPr lang="de-DE" sz="1600" dirty="0">
+                <a:latin typeface="Rockwell" panose="02060603020205020403" pitchFamily="18" charset="0"/>
+              </a:rPr>
+              <a:t> </a:t>
+            </a:r>
+            <a:r>
+              <a:rPr lang="de-DE" sz="1600" dirty="0" err="1">
+                <a:latin typeface="Rockwell" panose="02060603020205020403" pitchFamily="18" charset="0"/>
+              </a:rPr>
+              <a:t>mendefinisikan</a:t>
+            </a:r>
+            <a:r>
+              <a:rPr lang="de-DE" sz="1600" dirty="0">
+                <a:latin typeface="Rockwell" panose="02060603020205020403" pitchFamily="18" charset="0"/>
+              </a:rPr>
+              <a:t> </a:t>
+            </a:r>
+            <a:r>
+              <a:rPr lang="de-DE" sz="1600" dirty="0" err="1">
+                <a:latin typeface="Rockwell" panose="02060603020205020403" pitchFamily="18" charset="0"/>
+              </a:rPr>
+              <a:t>ulang</a:t>
+            </a:r>
+            <a:r>
+              <a:rPr lang="de-DE" sz="1600" dirty="0">
+                <a:latin typeface="Rockwell" panose="02060603020205020403" pitchFamily="18" charset="0"/>
+              </a:rPr>
+              <a:t> </a:t>
+            </a:r>
+            <a:r>
+              <a:rPr lang="de-DE" sz="1600" dirty="0" err="1">
+                <a:latin typeface="Rockwell" panose="02060603020205020403" pitchFamily="18" charset="0"/>
+              </a:rPr>
+              <a:t>proses</a:t>
+            </a:r>
+            <a:r>
+              <a:rPr lang="de-DE" sz="1600" dirty="0">
+                <a:latin typeface="Rockwell" panose="02060603020205020403" pitchFamily="18" charset="0"/>
+              </a:rPr>
+              <a:t> </a:t>
+            </a:r>
+            <a:r>
+              <a:rPr lang="de-DE" sz="1600" dirty="0" err="1">
+                <a:latin typeface="Rockwell" panose="02060603020205020403" pitchFamily="18" charset="0"/>
+              </a:rPr>
+              <a:t>bisnis</a:t>
+            </a:r>
+            <a:r>
+              <a:rPr lang="de-DE" sz="1600" dirty="0">
+                <a:latin typeface="Rockwell" panose="02060603020205020403" pitchFamily="18" charset="0"/>
+              </a:rPr>
+              <a:t> </a:t>
+            </a:r>
+            <a:r>
+              <a:rPr lang="de-DE" sz="1600" dirty="0" err="1">
+                <a:latin typeface="Rockwell" panose="02060603020205020403" pitchFamily="18" charset="0"/>
+              </a:rPr>
+              <a:t>manajemen</a:t>
+            </a:r>
+            <a:r>
+              <a:rPr lang="de-DE" sz="1600" dirty="0">
+                <a:latin typeface="Rockwell" panose="02060603020205020403" pitchFamily="18" charset="0"/>
+              </a:rPr>
+              <a:t> </a:t>
+            </a:r>
+            <a:r>
+              <a:rPr lang="de-DE" sz="1600" dirty="0" err="1">
+                <a:latin typeface="Rockwell" panose="02060603020205020403" pitchFamily="18" charset="0"/>
+              </a:rPr>
+              <a:t>supply-chain</a:t>
+            </a:r>
+            <a:r>
+              <a:rPr lang="de-DE" sz="1600" dirty="0">
+                <a:latin typeface="Rockwell" panose="02060603020205020403" pitchFamily="18" charset="0"/>
+              </a:rPr>
+              <a:t> </a:t>
+            </a:r>
+            <a:r>
+              <a:rPr lang="de-DE" sz="1600" dirty="0" err="1">
+                <a:latin typeface="Rockwell" panose="02060603020205020403" pitchFamily="18" charset="0"/>
+              </a:rPr>
+              <a:t>nasional</a:t>
+            </a:r>
+            <a:r>
+              <a:rPr lang="de-DE" sz="1600" dirty="0">
+                <a:latin typeface="Rockwell" panose="02060603020205020403" pitchFamily="18" charset="0"/>
+              </a:rPr>
+              <a:t> </a:t>
+            </a:r>
+            <a:r>
+              <a:rPr lang="de-DE" sz="1600" dirty="0" err="1">
+                <a:latin typeface="Rockwell" panose="02060603020205020403" pitchFamily="18" charset="0"/>
+              </a:rPr>
+              <a:t>dimana</a:t>
+            </a:r>
+            <a:r>
+              <a:rPr lang="de-DE" sz="1600" dirty="0">
+                <a:latin typeface="Rockwell" panose="02060603020205020403" pitchFamily="18" charset="0"/>
+              </a:rPr>
+              <a:t> </a:t>
+            </a:r>
+            <a:r>
+              <a:rPr lang="de-DE" sz="1600" dirty="0" err="1">
+                <a:latin typeface="Rockwell" panose="02060603020205020403" pitchFamily="18" charset="0"/>
+              </a:rPr>
+              <a:t>sistem</a:t>
+            </a:r>
+            <a:r>
+              <a:rPr lang="de-DE" sz="1600" dirty="0">
+                <a:latin typeface="Rockwell" panose="02060603020205020403" pitchFamily="18" charset="0"/>
+              </a:rPr>
+              <a:t> </a:t>
+            </a:r>
+            <a:r>
+              <a:rPr lang="de-DE" sz="1600" dirty="0" err="1">
+                <a:latin typeface="Rockwell" panose="02060603020205020403" pitchFamily="18" charset="0"/>
+              </a:rPr>
+              <a:t>yang</a:t>
+            </a:r>
+            <a:r>
+              <a:rPr lang="de-DE" sz="1600" dirty="0">
+                <a:latin typeface="Rockwell" panose="02060603020205020403" pitchFamily="18" charset="0"/>
+              </a:rPr>
+              <a:t> </a:t>
+            </a:r>
+            <a:r>
+              <a:rPr lang="de-DE" sz="1600" dirty="0" err="1">
+                <a:latin typeface="Rockwell" panose="02060603020205020403" pitchFamily="18" charset="0"/>
+              </a:rPr>
+              <a:t>dihasilkan</a:t>
+            </a:r>
+            <a:r>
+              <a:rPr lang="de-DE" sz="1600" dirty="0">
+                <a:latin typeface="Rockwell" panose="02060603020205020403" pitchFamily="18" charset="0"/>
+              </a:rPr>
+              <a:t> </a:t>
+            </a:r>
+            <a:r>
+              <a:rPr lang="de-DE" sz="1600" dirty="0" err="1">
+                <a:latin typeface="Rockwell" panose="02060603020205020403" pitchFamily="18" charset="0"/>
+              </a:rPr>
+              <a:t>akan</a:t>
+            </a:r>
+            <a:r>
+              <a:rPr lang="de-DE" sz="1600" dirty="0">
+                <a:latin typeface="Rockwell" panose="02060603020205020403" pitchFamily="18" charset="0"/>
+              </a:rPr>
+              <a:t> </a:t>
+            </a:r>
+            <a:r>
+              <a:rPr lang="de-DE" sz="1600" dirty="0" err="1">
+                <a:latin typeface="Rockwell" panose="02060603020205020403" pitchFamily="18" charset="0"/>
+              </a:rPr>
+              <a:t>membantu</a:t>
+            </a:r>
+            <a:r>
+              <a:rPr lang="de-DE" sz="1600" dirty="0">
+                <a:latin typeface="Rockwell" panose="02060603020205020403" pitchFamily="18" charset="0"/>
+              </a:rPr>
+              <a:t> </a:t>
+            </a:r>
+            <a:r>
+              <a:rPr lang="de-DE" sz="1600" dirty="0" err="1">
+                <a:latin typeface="Rockwell" panose="02060603020205020403" pitchFamily="18" charset="0"/>
+              </a:rPr>
+              <a:t>memonitor</a:t>
+            </a:r>
+            <a:r>
+              <a:rPr lang="de-DE" sz="1600" dirty="0">
+                <a:latin typeface="Rockwell" panose="02060603020205020403" pitchFamily="18" charset="0"/>
+              </a:rPr>
+              <a:t> stock </a:t>
+            </a:r>
+            <a:r>
+              <a:rPr lang="de-DE" sz="1600" dirty="0" err="1">
+                <a:latin typeface="Rockwell" panose="02060603020205020403" pitchFamily="18" charset="0"/>
+              </a:rPr>
+              <a:t>inventory</a:t>
+            </a:r>
+            <a:r>
+              <a:rPr lang="de-DE" sz="1600" dirty="0">
+                <a:latin typeface="Rockwell" panose="02060603020205020403" pitchFamily="18" charset="0"/>
+              </a:rPr>
+              <a:t> </a:t>
+            </a:r>
+            <a:r>
+              <a:rPr lang="de-DE" sz="1600" dirty="0" err="1">
+                <a:latin typeface="Rockwell" panose="02060603020205020403" pitchFamily="18" charset="0"/>
+              </a:rPr>
+              <a:t>pada</a:t>
+            </a:r>
+            <a:r>
+              <a:rPr lang="de-DE" sz="1600" dirty="0">
+                <a:latin typeface="Rockwell" panose="02060603020205020403" pitchFamily="18" charset="0"/>
+              </a:rPr>
+              <a:t> </a:t>
+            </a:r>
+            <a:r>
+              <a:rPr lang="de-DE" sz="1600" dirty="0" err="1">
+                <a:latin typeface="Rockwell" panose="02060603020205020403" pitchFamily="18" charset="0"/>
+              </a:rPr>
+              <a:t>tiap</a:t>
+            </a:r>
+            <a:r>
+              <a:rPr lang="de-DE" sz="1600" dirty="0">
+                <a:latin typeface="Rockwell" panose="02060603020205020403" pitchFamily="18" charset="0"/>
+              </a:rPr>
+              <a:t> </a:t>
+            </a:r>
+            <a:r>
+              <a:rPr lang="de-DE" sz="1600" dirty="0" err="1">
+                <a:latin typeface="Rockwell" panose="02060603020205020403" pitchFamily="18" charset="0"/>
+              </a:rPr>
+              <a:t>titik</a:t>
+            </a:r>
+            <a:r>
+              <a:rPr lang="de-DE" sz="1600" dirty="0">
+                <a:latin typeface="Rockwell" panose="02060603020205020403" pitchFamily="18" charset="0"/>
+              </a:rPr>
+              <a:t> </a:t>
+            </a:r>
+            <a:r>
+              <a:rPr lang="de-DE" sz="1600" dirty="0" err="1">
+                <a:latin typeface="Rockwell" panose="02060603020205020403" pitchFamily="18" charset="0"/>
+              </a:rPr>
+              <a:t>distribusi</a:t>
+            </a:r>
+            <a:r>
+              <a:rPr lang="de-DE" sz="1600" dirty="0">
+                <a:latin typeface="Rockwell" panose="02060603020205020403" pitchFamily="18" charset="0"/>
+              </a:rPr>
+              <a:t> </a:t>
+            </a:r>
+            <a:r>
+              <a:rPr lang="de-DE" sz="1600" dirty="0" err="1">
+                <a:latin typeface="Rockwell" panose="02060603020205020403" pitchFamily="18" charset="0"/>
+              </a:rPr>
+              <a:t>dan</a:t>
+            </a:r>
+            <a:r>
+              <a:rPr lang="de-DE" sz="1600" dirty="0">
+                <a:latin typeface="Rockwell" panose="02060603020205020403" pitchFamily="18" charset="0"/>
+              </a:rPr>
+              <a:t> </a:t>
+            </a:r>
+            <a:r>
+              <a:rPr lang="de-DE" sz="1600" dirty="0" err="1">
+                <a:latin typeface="Rockwell" panose="02060603020205020403" pitchFamily="18" charset="0"/>
+              </a:rPr>
+              <a:t>mengatur</a:t>
+            </a:r>
+            <a:r>
+              <a:rPr lang="de-DE" sz="1600" dirty="0">
+                <a:latin typeface="Rockwell" panose="02060603020205020403" pitchFamily="18" charset="0"/>
+              </a:rPr>
+              <a:t> </a:t>
+            </a:r>
+            <a:r>
+              <a:rPr lang="de-DE" sz="1600" dirty="0" err="1">
+                <a:latin typeface="Rockwell" panose="02060603020205020403" pitchFamily="18" charset="0"/>
+              </a:rPr>
+              <a:t>manajemen</a:t>
+            </a:r>
+            <a:r>
+              <a:rPr lang="de-DE" sz="1600" dirty="0">
+                <a:latin typeface="Rockwell" panose="02060603020205020403" pitchFamily="18" charset="0"/>
+              </a:rPr>
+              <a:t> </a:t>
+            </a:r>
+            <a:r>
+              <a:rPr lang="de-DE" sz="1600" dirty="0" err="1">
+                <a:latin typeface="Rockwell" panose="02060603020205020403" pitchFamily="18" charset="0"/>
+              </a:rPr>
+              <a:t>transportasi</a:t>
+            </a:r>
+            <a:r>
+              <a:rPr lang="de-DE" sz="1600" dirty="0">
+                <a:latin typeface="Rockwell" panose="02060603020205020403" pitchFamily="18" charset="0"/>
+              </a:rPr>
+              <a:t> </a:t>
+            </a:r>
+            <a:r>
+              <a:rPr lang="de-DE" sz="1600" dirty="0" err="1">
+                <a:latin typeface="Rockwell" panose="02060603020205020403" pitchFamily="18" charset="0"/>
+              </a:rPr>
+              <a:t>yang</a:t>
+            </a:r>
+            <a:r>
+              <a:rPr lang="de-DE" sz="1600" dirty="0">
+                <a:latin typeface="Rockwell" panose="02060603020205020403" pitchFamily="18" charset="0"/>
+              </a:rPr>
+              <a:t> </a:t>
+            </a:r>
+            <a:r>
+              <a:rPr lang="de-DE" sz="1600" dirty="0" err="1">
+                <a:latin typeface="Rockwell" panose="02060603020205020403" pitchFamily="18" charset="0"/>
+              </a:rPr>
+              <a:t>menghubungkan</a:t>
+            </a:r>
+            <a:r>
+              <a:rPr lang="de-DE" sz="1600" dirty="0">
+                <a:latin typeface="Rockwell" panose="02060603020205020403" pitchFamily="18" charset="0"/>
+              </a:rPr>
+              <a:t> </a:t>
+            </a:r>
+            <a:r>
+              <a:rPr lang="de-DE" sz="1600" dirty="0" err="1">
+                <a:latin typeface="Rockwell" panose="02060603020205020403" pitchFamily="18" charset="0"/>
+              </a:rPr>
+              <a:t>tiap</a:t>
+            </a:r>
+            <a:r>
+              <a:rPr lang="de-DE" sz="1600" dirty="0">
+                <a:latin typeface="Rockwell" panose="02060603020205020403" pitchFamily="18" charset="0"/>
+              </a:rPr>
+              <a:t> </a:t>
+            </a:r>
+            <a:r>
+              <a:rPr lang="de-DE" sz="1600" dirty="0" err="1">
+                <a:latin typeface="Rockwell" panose="02060603020205020403" pitchFamily="18" charset="0"/>
+              </a:rPr>
+              <a:t>titik</a:t>
+            </a:r>
+            <a:r>
+              <a:rPr lang="de-DE" sz="1600" dirty="0">
+                <a:latin typeface="Rockwell" panose="02060603020205020403" pitchFamily="18" charset="0"/>
+              </a:rPr>
+              <a:t> </a:t>
+            </a:r>
+            <a:r>
+              <a:rPr lang="de-DE" sz="1600" dirty="0" err="1">
+                <a:latin typeface="Rockwell" panose="02060603020205020403" pitchFamily="18" charset="0"/>
+              </a:rPr>
+              <a:t>distribusi</a:t>
+            </a:r>
+            <a:r>
+              <a:rPr lang="de-DE" sz="1600" dirty="0">
+                <a:latin typeface="Rockwell" panose="02060603020205020403" pitchFamily="18" charset="0"/>
+              </a:rPr>
+              <a:t> &amp; </a:t>
+            </a:r>
+            <a:r>
+              <a:rPr lang="de-DE" sz="1600" dirty="0" err="1">
+                <a:latin typeface="Rockwell" panose="02060603020205020403" pitchFamily="18" charset="0"/>
+              </a:rPr>
+              <a:t>bagaimana</a:t>
+            </a:r>
+            <a:r>
+              <a:rPr lang="de-DE" sz="1600" dirty="0">
+                <a:latin typeface="Rockwell" panose="02060603020205020403" pitchFamily="18" charset="0"/>
+              </a:rPr>
+              <a:t> </a:t>
+            </a:r>
+            <a:r>
+              <a:rPr lang="de-DE" sz="1600" dirty="0" err="1">
+                <a:latin typeface="Rockwell" panose="02060603020205020403" pitchFamily="18" charset="0"/>
+              </a:rPr>
+              <a:t>dampaknya</a:t>
+            </a:r>
+            <a:r>
+              <a:rPr lang="de-DE" sz="1600" dirty="0">
+                <a:latin typeface="Rockwell" panose="02060603020205020403" pitchFamily="18" charset="0"/>
+              </a:rPr>
+              <a:t> </a:t>
+            </a:r>
+            <a:r>
+              <a:rPr lang="de-DE" sz="1600" dirty="0" err="1">
+                <a:latin typeface="Rockwell" panose="02060603020205020403" pitchFamily="18" charset="0"/>
+              </a:rPr>
+              <a:t>terhadap</a:t>
+            </a:r>
+            <a:r>
+              <a:rPr lang="de-DE" sz="1600" dirty="0">
+                <a:latin typeface="Rockwell" panose="02060603020205020403" pitchFamily="18" charset="0"/>
+              </a:rPr>
+              <a:t> </a:t>
+            </a:r>
+            <a:r>
+              <a:rPr lang="de-DE" sz="1600" dirty="0" err="1">
+                <a:latin typeface="Rockwell" panose="02060603020205020403" pitchFamily="18" charset="0"/>
+              </a:rPr>
+              <a:t>fluktuasi</a:t>
+            </a:r>
+            <a:r>
+              <a:rPr lang="de-DE" sz="1600" dirty="0">
+                <a:latin typeface="Rockwell" panose="02060603020205020403" pitchFamily="18" charset="0"/>
+              </a:rPr>
+              <a:t> </a:t>
+            </a:r>
+            <a:r>
+              <a:rPr lang="de-DE" sz="1600" dirty="0" err="1">
                 <a:latin typeface="Rockwell" panose="02060603020205020403" pitchFamily="18" charset="0"/>
               </a:rPr>
               <a:t>harga</a:t>
             </a:r>
             <a:r>
-              <a:rPr lang="de-DE" dirty="0">
-                <a:latin typeface="Rockwell" panose="02060603020205020403" pitchFamily="18" charset="0"/>
-              </a:rPr>
-              <a:t> </a:t>
-            </a:r>
-            <a:r>
-              <a:rPr lang="de-DE" dirty="0" err="1">
+              <a:rPr lang="de-DE" sz="1600" dirty="0">
+                <a:latin typeface="Rockwell" panose="02060603020205020403" pitchFamily="18" charset="0"/>
+              </a:rPr>
+              <a:t> </a:t>
+            </a:r>
+            <a:r>
+              <a:rPr lang="de-DE" sz="1600" dirty="0" err="1">
                 <a:latin typeface="Rockwell" panose="02060603020205020403" pitchFamily="18" charset="0"/>
               </a:rPr>
               <a:t>komoditas</a:t>
             </a:r>
             <a:r>
-              <a:rPr lang="de-DE" dirty="0">
+              <a:rPr lang="de-DE" sz="1600" dirty="0">
+                <a:latin typeface="Rockwell" panose="02060603020205020403" pitchFamily="18" charset="0"/>
+              </a:rPr>
+              <a:t> </a:t>
+            </a:r>
+            <a:r>
+              <a:rPr lang="de-DE" sz="1600" dirty="0" err="1">
+                <a:latin typeface="Rockwell" panose="02060603020205020403" pitchFamily="18" charset="0"/>
+              </a:rPr>
+              <a:t>utama</a:t>
+            </a:r>
+            <a:r>
+              <a:rPr lang="de-DE" sz="1600" dirty="0">
+                <a:latin typeface="Rockwell" panose="02060603020205020403" pitchFamily="18" charset="0"/>
+              </a:rPr>
+              <a:t> </a:t>
+            </a:r>
+            <a:r>
+              <a:rPr lang="de-DE" sz="1600" dirty="0" err="1">
+                <a:latin typeface="Rockwell" panose="02060603020205020403" pitchFamily="18" charset="0"/>
+              </a:rPr>
+              <a:t>nasional</a:t>
+            </a:r>
+            <a:r>
+              <a:rPr lang="de-DE" sz="1600" dirty="0">
+                <a:latin typeface="Rockwell" panose="02060603020205020403" pitchFamily="18" charset="0"/>
+              </a:rPr>
+              <a:t>. </a:t>
+            </a:r>
+            <a:r>
+              <a:rPr lang="de-DE" sz="1600" dirty="0" err="1">
+                <a:latin typeface="Rockwell" panose="02060603020205020403" pitchFamily="18" charset="0"/>
+              </a:rPr>
+              <a:t>Bbrp</a:t>
+            </a:r>
+            <a:r>
+              <a:rPr lang="de-DE" sz="1600" dirty="0">
+                <a:latin typeface="Rockwell" panose="02060603020205020403" pitchFamily="18" charset="0"/>
+              </a:rPr>
+              <a:t> </a:t>
+            </a:r>
+            <a:r>
+              <a:rPr lang="de-DE" sz="1600" dirty="0" err="1">
+                <a:latin typeface="Rockwell" panose="02060603020205020403" pitchFamily="18" charset="0"/>
+              </a:rPr>
+              <a:t>dimensi</a:t>
+            </a:r>
+            <a:r>
+              <a:rPr lang="de-DE" sz="1600" dirty="0">
+                <a:latin typeface="Rockwell" panose="02060603020205020403" pitchFamily="18" charset="0"/>
+              </a:rPr>
+              <a:t> </a:t>
+            </a:r>
+            <a:r>
+              <a:rPr lang="de-DE" sz="1600" dirty="0" err="1">
+                <a:latin typeface="Rockwell" panose="02060603020205020403" pitchFamily="18" charset="0"/>
+              </a:rPr>
+              <a:t>pengukuran</a:t>
+            </a:r>
+            <a:r>
+              <a:rPr lang="de-DE" sz="1600" dirty="0">
+                <a:latin typeface="Rockwell" panose="02060603020205020403" pitchFamily="18" charset="0"/>
+              </a:rPr>
+              <a:t> </a:t>
+            </a:r>
+            <a:r>
+              <a:rPr lang="de-DE" sz="1600" dirty="0" err="1">
+                <a:latin typeface="Rockwell" panose="02060603020205020403" pitchFamily="18" charset="0"/>
+              </a:rPr>
+              <a:t>tambahan</a:t>
+            </a:r>
+            <a:r>
+              <a:rPr lang="de-DE" sz="1600" dirty="0">
+                <a:latin typeface="Rockwell" panose="02060603020205020403" pitchFamily="18" charset="0"/>
+              </a:rPr>
+              <a:t> </a:t>
+            </a:r>
+            <a:r>
+              <a:rPr lang="de-DE" sz="1600" dirty="0" err="1">
+                <a:latin typeface="Rockwell" panose="02060603020205020403" pitchFamily="18" charset="0"/>
+              </a:rPr>
+              <a:t>seperti</a:t>
+            </a:r>
+            <a:r>
+              <a:rPr lang="de-DE" sz="1600" dirty="0">
+                <a:latin typeface="Rockwell" panose="02060603020205020403" pitchFamily="18" charset="0"/>
+              </a:rPr>
+              <a:t> sub-</a:t>
+            </a:r>
+            <a:r>
+              <a:rPr lang="de-DE" sz="1600" dirty="0" err="1">
+                <a:latin typeface="Rockwell" panose="02060603020205020403" pitchFamily="18" charset="0"/>
+              </a:rPr>
+              <a:t>kategori</a:t>
+            </a:r>
+            <a:r>
+              <a:rPr lang="de-DE" sz="1600" dirty="0">
                 <a:latin typeface="Rockwell" panose="02060603020205020403" pitchFamily="18" charset="0"/>
               </a:rPr>
               <a:t>, </a:t>
             </a:r>
             <a:r>
-              <a:rPr lang="de-DE" dirty="0" err="1">
-                <a:latin typeface="Rockwell" panose="02060603020205020403" pitchFamily="18" charset="0"/>
-              </a:rPr>
-              <a:t>terutama</a:t>
-            </a:r>
-            <a:r>
-              <a:rPr lang="de-DE" dirty="0">
-                <a:latin typeface="Rockwell" panose="02060603020205020403" pitchFamily="18" charset="0"/>
-              </a:rPr>
-              <a:t> </a:t>
-            </a:r>
-            <a:r>
-              <a:rPr lang="de-DE" dirty="0" err="1">
-                <a:latin typeface="Rockwell" panose="02060603020205020403" pitchFamily="18" charset="0"/>
-              </a:rPr>
-              <a:t>bahan</a:t>
-            </a:r>
-            <a:r>
-              <a:rPr lang="de-DE" dirty="0">
-                <a:latin typeface="Rockwell" panose="02060603020205020403" pitchFamily="18" charset="0"/>
-              </a:rPr>
-              <a:t> </a:t>
-            </a:r>
-            <a:r>
-              <a:rPr lang="de-DE" dirty="0" err="1">
-                <a:latin typeface="Rockwell" panose="02060603020205020403" pitchFamily="18" charset="0"/>
-              </a:rPr>
-              <a:t>pokok</a:t>
-            </a:r>
-            <a:r>
-              <a:rPr lang="de-DE" dirty="0">
-                <a:latin typeface="Rockwell" panose="02060603020205020403" pitchFamily="18" charset="0"/>
-              </a:rPr>
-              <a:t>, di </a:t>
-            </a:r>
-            <a:r>
-              <a:rPr lang="de-DE" dirty="0" err="1">
-                <a:latin typeface="Rockwell" panose="02060603020205020403" pitchFamily="18" charset="0"/>
-              </a:rPr>
-              <a:t>setiap</a:t>
-            </a:r>
-            <a:r>
-              <a:rPr lang="de-DE" dirty="0">
-                <a:latin typeface="Rockwell" panose="02060603020205020403" pitchFamily="18" charset="0"/>
-              </a:rPr>
-              <a:t> </a:t>
-            </a:r>
-            <a:r>
-              <a:rPr lang="de-DE" dirty="0" err="1">
-                <a:latin typeface="Rockwell" panose="02060603020205020403" pitchFamily="18" charset="0"/>
-              </a:rPr>
-              <a:t>titik</a:t>
-            </a:r>
-            <a:r>
-              <a:rPr lang="de-DE" dirty="0">
-                <a:latin typeface="Rockwell" panose="02060603020205020403" pitchFamily="18" charset="0"/>
-              </a:rPr>
-              <a:t> </a:t>
-            </a:r>
-            <a:r>
-              <a:rPr lang="de-DE" dirty="0" err="1">
-                <a:latin typeface="Rockwell" panose="02060603020205020403" pitchFamily="18" charset="0"/>
-              </a:rPr>
-              <a:t>distribusinya</a:t>
-            </a:r>
-            <a:r>
-              <a:rPr lang="de-DE" dirty="0">
-                <a:latin typeface="Rockwell" panose="02060603020205020403" pitchFamily="18" charset="0"/>
-              </a:rPr>
-              <a:t>.”</a:t>
-            </a:r>
-          </a:p>
-        </p:txBody>
-      </p:sp>
-      <p:sp>
-        <p:nvSpPr>
-          <p:cNvPr id="16" name="Textfeld 5"/>
-          <p:cNvSpPr txBox="1"/>
-          <p:nvPr/>
-        </p:nvSpPr>
-        <p:spPr>
-          <a:xfrm>
-            <a:off x="323528" y="4869160"/>
-            <a:ext cx="6208494" cy="1384995"/>
-          </a:xfrm>
-          <a:prstGeom prst="rect">
-            <a:avLst/>
-          </a:prstGeom>
-          <a:noFill/>
-        </p:spPr>
-        <p:txBody>
-          <a:bodyPr wrap="square" rtlCol="0">
-            <a:spAutoFit/>
-          </a:bodyPr>
-          <a:lstStyle/>
-          <a:p>
-            <a:pPr marL="285750" indent="-285750">
-              <a:buFont typeface="Arial" panose="020B0604020202020204" pitchFamily="34" charset="0"/>
-              <a:buChar char="•"/>
-            </a:pPr>
-            <a:r>
-              <a:rPr lang="de-DE" sz="1400" dirty="0" smtClean="0">
-                <a:latin typeface="Rockwell" panose="02060603020205020403" pitchFamily="18" charset="0"/>
-              </a:rPr>
-              <a:t>Area </a:t>
-            </a:r>
-          </a:p>
-          <a:p>
-            <a:pPr marL="285750" indent="-285750">
-              <a:buFont typeface="Arial" panose="020B0604020202020204" pitchFamily="34" charset="0"/>
-              <a:buChar char="•"/>
-            </a:pPr>
-            <a:r>
-              <a:rPr lang="de-DE" sz="1400" dirty="0" err="1" smtClean="0">
-                <a:latin typeface="Rockwell" panose="02060603020205020403" pitchFamily="18" charset="0"/>
-              </a:rPr>
-              <a:t>Jumlah</a:t>
-            </a:r>
-            <a:r>
-              <a:rPr lang="de-DE" sz="1400" dirty="0" smtClean="0">
-                <a:latin typeface="Rockwell" panose="02060603020205020403" pitchFamily="18" charset="0"/>
-              </a:rPr>
-              <a:t> </a:t>
-            </a:r>
-            <a:r>
-              <a:rPr lang="de-DE" sz="1400" dirty="0" err="1" smtClean="0">
-                <a:latin typeface="Rockwell" panose="02060603020205020403" pitchFamily="18" charset="0"/>
-              </a:rPr>
-              <a:t>Penduduk</a:t>
-            </a:r>
-            <a:endParaRPr lang="de-DE" sz="1400" dirty="0" smtClean="0">
-              <a:latin typeface="Rockwell" panose="02060603020205020403" pitchFamily="18" charset="0"/>
-            </a:endParaRPr>
-          </a:p>
-          <a:p>
-            <a:pPr marL="285750" indent="-285750">
-              <a:buFont typeface="Arial" panose="020B0604020202020204" pitchFamily="34" charset="0"/>
-              <a:buChar char="•"/>
-            </a:pPr>
-            <a:r>
-              <a:rPr lang="de-DE" sz="1400" dirty="0" err="1" smtClean="0">
-                <a:latin typeface="Rockwell" panose="02060603020205020403" pitchFamily="18" charset="0"/>
-              </a:rPr>
-              <a:t>Lokasi</a:t>
-            </a:r>
-            <a:r>
-              <a:rPr lang="de-DE" sz="1400" dirty="0" smtClean="0">
-                <a:latin typeface="Rockwell" panose="02060603020205020403" pitchFamily="18" charset="0"/>
-              </a:rPr>
-              <a:t> </a:t>
-            </a:r>
-            <a:r>
-              <a:rPr lang="de-DE" sz="1400" dirty="0" err="1" smtClean="0">
-                <a:latin typeface="Rockwell" panose="02060603020205020403" pitchFamily="18" charset="0"/>
-              </a:rPr>
-              <a:t>Gudang</a:t>
-            </a:r>
-            <a:endParaRPr lang="de-DE" sz="1400" dirty="0" smtClean="0">
-              <a:latin typeface="Rockwell" panose="02060603020205020403" pitchFamily="18" charset="0"/>
-            </a:endParaRPr>
-          </a:p>
-          <a:p>
-            <a:pPr marL="285750" indent="-285750">
-              <a:buFont typeface="Arial" panose="020B0604020202020204" pitchFamily="34" charset="0"/>
-              <a:buChar char="•"/>
-            </a:pPr>
-            <a:r>
-              <a:rPr lang="de-DE" sz="1400" dirty="0" err="1" smtClean="0">
-                <a:latin typeface="Rockwell" panose="02060603020205020403" pitchFamily="18" charset="0"/>
-              </a:rPr>
-              <a:t>Jalur</a:t>
-            </a:r>
-            <a:r>
-              <a:rPr lang="de-DE" sz="1400" dirty="0" smtClean="0">
-                <a:latin typeface="Rockwell" panose="02060603020205020403" pitchFamily="18" charset="0"/>
-              </a:rPr>
-              <a:t> </a:t>
-            </a:r>
-            <a:r>
-              <a:rPr lang="de-DE" sz="1400" dirty="0" err="1" smtClean="0">
-                <a:latin typeface="Rockwell" panose="02060603020205020403" pitchFamily="18" charset="0"/>
-              </a:rPr>
-              <a:t>Transportasi</a:t>
-            </a:r>
-            <a:endParaRPr lang="de-DE" sz="1400" dirty="0" smtClean="0">
-              <a:latin typeface="Rockwell" panose="02060603020205020403" pitchFamily="18" charset="0"/>
-            </a:endParaRPr>
-          </a:p>
-          <a:p>
-            <a:pPr marL="285750" indent="-285750">
-              <a:buFont typeface="Arial" panose="020B0604020202020204" pitchFamily="34" charset="0"/>
-              <a:buChar char="•"/>
-            </a:pPr>
-            <a:r>
-              <a:rPr lang="de-DE" sz="1400" dirty="0" err="1" smtClean="0">
-                <a:latin typeface="Rockwell" panose="02060603020205020403" pitchFamily="18" charset="0"/>
-              </a:rPr>
-              <a:t>Harga</a:t>
-            </a:r>
-            <a:r>
-              <a:rPr lang="de-DE" sz="1400" dirty="0" smtClean="0">
-                <a:latin typeface="Rockwell" panose="02060603020205020403" pitchFamily="18" charset="0"/>
-              </a:rPr>
-              <a:t> </a:t>
-            </a:r>
-            <a:r>
-              <a:rPr lang="de-DE" sz="1400" dirty="0" err="1" smtClean="0">
-                <a:latin typeface="Rockwell" panose="02060603020205020403" pitchFamily="18" charset="0"/>
-              </a:rPr>
-              <a:t>Komoditas</a:t>
-            </a:r>
-            <a:endParaRPr lang="de-DE" sz="1400" dirty="0">
-              <a:latin typeface="Rockwell" panose="02060603020205020403" pitchFamily="18" charset="0"/>
-            </a:endParaRPr>
-          </a:p>
-          <a:p>
-            <a:endParaRPr lang="de-DE" sz="1400" dirty="0"/>
+              <a:rPr lang="de-DE" sz="1600" dirty="0" err="1">
+                <a:latin typeface="Rockwell" panose="02060603020205020403" pitchFamily="18" charset="0"/>
+              </a:rPr>
+              <a:t>harga</a:t>
+            </a:r>
+            <a:r>
+              <a:rPr lang="de-DE" sz="1600" dirty="0">
+                <a:latin typeface="Rockwell" panose="02060603020205020403" pitchFamily="18" charset="0"/>
+              </a:rPr>
+              <a:t>, </a:t>
+            </a:r>
+            <a:r>
+              <a:rPr lang="de-DE" sz="1600" dirty="0" err="1">
+                <a:latin typeface="Rockwell" panose="02060603020205020403" pitchFamily="18" charset="0"/>
+              </a:rPr>
+              <a:t>dan</a:t>
+            </a:r>
+            <a:r>
+              <a:rPr lang="de-DE" sz="1600" dirty="0">
+                <a:latin typeface="Rockwell" panose="02060603020205020403" pitchFamily="18" charset="0"/>
+              </a:rPr>
+              <a:t> </a:t>
+            </a:r>
+            <a:r>
+              <a:rPr lang="de-DE" sz="1600" dirty="0" err="1">
+                <a:latin typeface="Rockwell" panose="02060603020205020403" pitchFamily="18" charset="0"/>
+              </a:rPr>
+              <a:t>waktu</a:t>
+            </a:r>
+            <a:r>
+              <a:rPr lang="de-DE" sz="1600" dirty="0">
+                <a:latin typeface="Rockwell" panose="02060603020205020403" pitchFamily="18" charset="0"/>
+              </a:rPr>
+              <a:t> </a:t>
+            </a:r>
+            <a:r>
+              <a:rPr lang="de-DE" sz="1600" dirty="0" err="1">
+                <a:latin typeface="Rockwell" panose="02060603020205020403" pitchFamily="18" charset="0"/>
+              </a:rPr>
+              <a:t>pakai</a:t>
+            </a:r>
+            <a:r>
+              <a:rPr lang="de-DE" sz="1600" dirty="0">
+                <a:latin typeface="Rockwell" panose="02060603020205020403" pitchFamily="18" charset="0"/>
+              </a:rPr>
+              <a:t> (</a:t>
+            </a:r>
+            <a:r>
+              <a:rPr lang="de-DE" sz="1600" dirty="0" err="1">
+                <a:latin typeface="Rockwell" panose="02060603020205020403" pitchFamily="18" charset="0"/>
+              </a:rPr>
+              <a:t>expiry</a:t>
+            </a:r>
+            <a:r>
+              <a:rPr lang="de-DE" sz="1600" dirty="0">
+                <a:latin typeface="Rockwell" panose="02060603020205020403" pitchFamily="18" charset="0"/>
+              </a:rPr>
+              <a:t>) </a:t>
+            </a:r>
+            <a:r>
+              <a:rPr lang="de-DE" sz="1600" dirty="0" err="1">
+                <a:latin typeface="Rockwell" panose="02060603020205020403" pitchFamily="18" charset="0"/>
+              </a:rPr>
+              <a:t>akan</a:t>
+            </a:r>
+            <a:r>
+              <a:rPr lang="de-DE" sz="1600" dirty="0">
+                <a:latin typeface="Rockwell" panose="02060603020205020403" pitchFamily="18" charset="0"/>
+              </a:rPr>
+              <a:t> </a:t>
+            </a:r>
+            <a:r>
+              <a:rPr lang="de-DE" sz="1600" dirty="0" err="1">
+                <a:latin typeface="Rockwell" panose="02060603020205020403" pitchFamily="18" charset="0"/>
+              </a:rPr>
+              <a:t>menambah</a:t>
+            </a:r>
+            <a:r>
+              <a:rPr lang="de-DE" sz="1600" dirty="0">
+                <a:latin typeface="Rockwell" panose="02060603020205020403" pitchFamily="18" charset="0"/>
+              </a:rPr>
+              <a:t> </a:t>
+            </a:r>
+            <a:r>
+              <a:rPr lang="de-DE" sz="1600" dirty="0" err="1">
+                <a:latin typeface="Rockwell" panose="02060603020205020403" pitchFamily="18" charset="0"/>
+              </a:rPr>
+              <a:t>akurasi</a:t>
+            </a:r>
+            <a:r>
+              <a:rPr lang="de-DE" sz="1600" dirty="0">
+                <a:latin typeface="Rockwell" panose="02060603020205020403" pitchFamily="18" charset="0"/>
+              </a:rPr>
+              <a:t> </a:t>
+            </a:r>
+            <a:r>
+              <a:rPr lang="de-DE" sz="1600" dirty="0" err="1">
+                <a:latin typeface="Rockwell" panose="02060603020205020403" pitchFamily="18" charset="0"/>
+              </a:rPr>
+              <a:t>informasi</a:t>
+            </a:r>
+            <a:r>
+              <a:rPr lang="de-DE" sz="1600" dirty="0">
+                <a:latin typeface="Rockwell" panose="02060603020205020403" pitchFamily="18" charset="0"/>
+              </a:rPr>
+              <a:t> </a:t>
+            </a:r>
+            <a:r>
+              <a:rPr lang="de-DE" sz="1600" dirty="0" err="1">
+                <a:latin typeface="Rockwell" panose="02060603020205020403" pitchFamily="18" charset="0"/>
+              </a:rPr>
+              <a:t>yang</a:t>
+            </a:r>
+            <a:r>
+              <a:rPr lang="de-DE" sz="1600" dirty="0">
+                <a:latin typeface="Rockwell" panose="02060603020205020403" pitchFamily="18" charset="0"/>
+              </a:rPr>
+              <a:t> </a:t>
+            </a:r>
+            <a:r>
+              <a:rPr lang="de-DE" sz="1600" dirty="0" err="1">
+                <a:latin typeface="Rockwell" panose="02060603020205020403" pitchFamily="18" charset="0"/>
+              </a:rPr>
+              <a:t>ditampilkan</a:t>
+            </a:r>
+            <a:r>
+              <a:rPr lang="de-DE" sz="1600" dirty="0">
+                <a:latin typeface="Rockwell" panose="02060603020205020403" pitchFamily="18" charset="0"/>
+              </a:rPr>
+              <a:t>.</a:t>
+            </a:r>
           </a:p>
         </p:txBody>
       </p:sp>
